--- a/psea/en/lessons/dealing_disclosure.pptx
+++ b/psea/en/lessons/dealing_disclosure.pptx
@@ -269,7 +269,7 @@
           <a:p>
             <a:fld id="{CD4A716A-96FF-444E-85A3-889DB32D1FBA}" type="datetimeFigureOut">
               <a:rPr lang="ru-RU" smtClean="0"/>
-              <a:t>15.09.2024</a:t>
+              <a:t>19.09.2024</a:t>
             </a:fld>
             <a:endParaRPr lang="ru-RU"/>
           </a:p>
@@ -1859,7 +1859,7 @@
           <a:p>
             <a:fld id="{4507D0C9-DCEA-F448-A25E-CBBFA477327C}" type="datetimeFigureOut">
               <a:rPr lang="ru-RU" smtClean="0"/>
-              <a:t>15.09.2024</a:t>
+              <a:t>19.09.2024</a:t>
             </a:fld>
             <a:endParaRPr lang="ru-RU"/>
           </a:p>
@@ -1972,7 +1972,7 @@
           <a:p>
             <a:fld id="{4507D0C9-DCEA-F448-A25E-CBBFA477327C}" type="datetimeFigureOut">
               <a:rPr lang="ru-RU" smtClean="0"/>
-              <a:t>15.09.2024</a:t>
+              <a:t>19.09.2024</a:t>
             </a:fld>
             <a:endParaRPr lang="ru-RU"/>
           </a:p>
@@ -2220,7 +2220,7 @@
           <a:p>
             <a:fld id="{4507D0C9-DCEA-F448-A25E-CBBFA477327C}" type="datetimeFigureOut">
               <a:rPr lang="ru-RU" smtClean="0"/>
-              <a:t>15.09.2024</a:t>
+              <a:t>19.09.2024</a:t>
             </a:fld>
             <a:endParaRPr lang="ru-RU"/>
           </a:p>
@@ -2991,6 +2991,14 @@
   <p:clrMapOvr>
     <a:masterClrMapping/>
   </p:clrMapOvr>
+  <mc:AlternateContent xmlns:mc="http://schemas.openxmlformats.org/markup-compatibility/2006">
+    <mc:Choice xmlns:p14="http://schemas.microsoft.com/office/powerpoint/2010/main" Requires="p14">
+      <p:transition spd="slow" p14:dur="2000" advClick="0"/>
+    </mc:Choice>
+    <mc:Fallback>
+      <p:transition spd="slow" advClick="0"/>
+    </mc:Fallback>
+  </mc:AlternateContent>
   <p:timing>
     <p:tnLst>
       <p:par>
@@ -3062,8 +3070,8 @@
         </p:nvSpPr>
         <p:spPr>
           <a:xfrm>
-            <a:off x="369681" y="1205346"/>
-            <a:ext cx="8500901" cy="4447308"/>
+            <a:off x="369682" y="1259174"/>
+            <a:ext cx="8489506" cy="3239238"/>
           </a:xfrm>
           <a:prstGeom prst="roundRect">
             <a:avLst>
@@ -3181,6 +3189,14 @@
   <p:clrMapOvr>
     <a:masterClrMapping/>
   </p:clrMapOvr>
+  <mc:AlternateContent xmlns:mc="http://schemas.openxmlformats.org/markup-compatibility/2006">
+    <mc:Choice xmlns:p14="http://schemas.microsoft.com/office/powerpoint/2010/main" Requires="p14">
+      <p:transition spd="slow" p14:dur="2000" advClick="0"/>
+    </mc:Choice>
+    <mc:Fallback>
+      <p:transition spd="slow" advClick="0"/>
+    </mc:Fallback>
+  </mc:AlternateContent>
   <p:timing>
     <p:tnLst>
       <p:par>
@@ -3403,6 +3419,14 @@
   <p:clrMapOvr>
     <a:masterClrMapping/>
   </p:clrMapOvr>
+  <mc:AlternateContent xmlns:mc="http://schemas.openxmlformats.org/markup-compatibility/2006">
+    <mc:Choice xmlns:p14="http://schemas.microsoft.com/office/powerpoint/2010/main" Requires="p14">
+      <p:transition spd="slow" p14:dur="2000" advClick="0"/>
+    </mc:Choice>
+    <mc:Fallback>
+      <p:transition spd="slow" advClick="0"/>
+    </mc:Fallback>
+  </mc:AlternateContent>
   <p:timing>
     <p:tnLst>
       <p:par>
@@ -3771,6 +3795,14 @@
   <p:clrMapOvr>
     <a:masterClrMapping/>
   </p:clrMapOvr>
+  <mc:AlternateContent xmlns:mc="http://schemas.openxmlformats.org/markup-compatibility/2006">
+    <mc:Choice xmlns:p14="http://schemas.microsoft.com/office/powerpoint/2010/main" Requires="p14">
+      <p:transition spd="slow" p14:dur="2000" advClick="0"/>
+    </mc:Choice>
+    <mc:Fallback>
+      <p:transition spd="slow" advClick="0"/>
+    </mc:Fallback>
+  </mc:AlternateContent>
   <p:timing>
     <p:tnLst>
       <p:par>
@@ -3958,6 +3990,14 @@
   <p:clrMapOvr>
     <a:masterClrMapping/>
   </p:clrMapOvr>
+  <mc:AlternateContent xmlns:mc="http://schemas.openxmlformats.org/markup-compatibility/2006">
+    <mc:Choice xmlns:p14="http://schemas.microsoft.com/office/powerpoint/2010/main" Requires="p14">
+      <p:transition spd="slow" p14:dur="2000" advClick="0"/>
+    </mc:Choice>
+    <mc:Fallback>
+      <p:transition spd="slow" advClick="0"/>
+    </mc:Fallback>
+  </mc:AlternateContent>
   <p:timing>
     <p:tnLst>
       <p:par>
@@ -4221,8 +4261,8 @@
         </p:nvSpPr>
         <p:spPr>
           <a:xfrm>
-            <a:off x="411079" y="690343"/>
-            <a:ext cx="8223255" cy="5650496"/>
+            <a:off x="283419" y="1334508"/>
+            <a:ext cx="8298206" cy="3132944"/>
           </a:xfrm>
           <a:prstGeom prst="roundRect">
             <a:avLst>
@@ -4402,8 +4442,8 @@
         </p:nvSpPr>
         <p:spPr>
           <a:xfrm>
-            <a:off x="1370450" y="1663907"/>
-            <a:ext cx="6604318" cy="3432749"/>
+            <a:off x="875775" y="1888761"/>
+            <a:ext cx="6604317" cy="2098623"/>
           </a:xfrm>
           <a:prstGeom prst="roundRect">
             <a:avLst>
@@ -4596,8 +4636,8 @@
         </p:nvSpPr>
         <p:spPr>
           <a:xfrm>
-            <a:off x="537397" y="1553016"/>
-            <a:ext cx="7953432" cy="3603601"/>
+            <a:off x="537397" y="2248525"/>
+            <a:ext cx="7953432" cy="2908092"/>
           </a:xfrm>
           <a:prstGeom prst="roundRect">
             <a:avLst>
@@ -4813,8 +4853,8 @@
         </p:nvSpPr>
         <p:spPr>
           <a:xfrm>
-            <a:off x="550858" y="1852052"/>
-            <a:ext cx="7768867" cy="3153896"/>
+            <a:off x="266045" y="2008682"/>
+            <a:ext cx="7939971" cy="2607522"/>
           </a:xfrm>
           <a:prstGeom prst="roundRect">
             <a:avLst>
@@ -5550,6 +5590,14 @@
   <p:clrMapOvr>
     <a:masterClrMapping/>
   </p:clrMapOvr>
+  <mc:AlternateContent xmlns:mc="http://schemas.openxmlformats.org/markup-compatibility/2006">
+    <mc:Choice xmlns:p14="http://schemas.microsoft.com/office/powerpoint/2010/main" Requires="p14">
+      <p:transition spd="slow" p14:dur="2000" advClick="0"/>
+    </mc:Choice>
+    <mc:Fallback>
+      <p:transition spd="slow" advClick="0"/>
+    </mc:Fallback>
+  </mc:AlternateContent>
   <p:timing>
     <p:tnLst>
       <p:par>
